--- a/PROGRAMACION WEB 010d .pptx
+++ b/PROGRAMACION WEB 010d .pptx
@@ -174,7 +174,7 @@
           <a:noFill/>
           <a:extLst>
             <a:ext uri="{909E8E84-426E-40dd-AFC4-6F175D3DCCD1}">
-              <a14:hiddenFill xmlns:a14="http://schemas.microsoft.com/office/drawing/2010/main" xmlns="">
+              <a14:hiddenFill xmlns="" xmlns:a14="http://schemas.microsoft.com/office/drawing/2010/main">
                 <a:solidFill>
                   <a:srgbClr val="FFFFFF"/>
                 </a:solidFill>
@@ -233,7 +233,7 @@
             </a:ln>
             <a:extLst>
               <a:ext uri="{91240B29-F687-4f45-9708-019B960494DF}">
-                <a14:hiddenLine xmlns:a14="http://schemas.microsoft.com/office/drawing/2010/main" xmlns="" w="9525">
+                <a14:hiddenLine xmlns="" xmlns:a14="http://schemas.microsoft.com/office/drawing/2010/main" w="9525">
                   <a:solidFill>
                     <a:srgbClr val="000000"/>
                   </a:solidFill>
@@ -323,7 +323,7 @@
             </a:ln>
             <a:extLst>
               <a:ext uri="{91240B29-F687-4f45-9708-019B960494DF}">
-                <a14:hiddenLine xmlns:a14="http://schemas.microsoft.com/office/drawing/2010/main" xmlns="" w="9525">
+                <a14:hiddenLine xmlns="" xmlns:a14="http://schemas.microsoft.com/office/drawing/2010/main" w="9525">
                   <a:solidFill>
                     <a:srgbClr val="000000"/>
                   </a:solidFill>
@@ -413,7 +413,7 @@
             </a:ln>
             <a:extLst>
               <a:ext uri="{91240B29-F687-4f45-9708-019B960494DF}">
-                <a14:hiddenLine xmlns:a14="http://schemas.microsoft.com/office/drawing/2010/main" xmlns="" w="9525">
+                <a14:hiddenLine xmlns="" xmlns:a14="http://schemas.microsoft.com/office/drawing/2010/main" w="9525">
                   <a:solidFill>
                     <a:srgbClr val="000000"/>
                   </a:solidFill>
@@ -447,7 +447,7 @@
             </a:ln>
             <a:extLst>
               <a:ext uri="{91240B29-F687-4f45-9708-019B960494DF}">
-                <a14:hiddenLine xmlns:a14="http://schemas.microsoft.com/office/drawing/2010/main" xmlns="" w="9525">
+                <a14:hiddenLine xmlns="" xmlns:a14="http://schemas.microsoft.com/office/drawing/2010/main" w="9525">
                   <a:solidFill>
                     <a:srgbClr val="000000"/>
                   </a:solidFill>
@@ -537,7 +537,7 @@
             </a:ln>
             <a:extLst>
               <a:ext uri="{91240B29-F687-4f45-9708-019B960494DF}">
-                <a14:hiddenLine xmlns:a14="http://schemas.microsoft.com/office/drawing/2010/main" xmlns="" w="9525">
+                <a14:hiddenLine xmlns="" xmlns:a14="http://schemas.microsoft.com/office/drawing/2010/main" w="9525">
                   <a:solidFill>
                     <a:srgbClr val="000000"/>
                   </a:solidFill>
@@ -599,7 +599,7 @@
             </a:ln>
             <a:extLst>
               <a:ext uri="{91240B29-F687-4f45-9708-019B960494DF}">
-                <a14:hiddenLine xmlns:a14="http://schemas.microsoft.com/office/drawing/2010/main" xmlns="" w="9525">
+                <a14:hiddenLine xmlns="" xmlns:a14="http://schemas.microsoft.com/office/drawing/2010/main" w="9525">
                   <a:solidFill>
                     <a:srgbClr val="000000"/>
                   </a:solidFill>
@@ -661,7 +661,7 @@
             </a:ln>
             <a:extLst>
               <a:ext uri="{91240B29-F687-4f45-9708-019B960494DF}">
-                <a14:hiddenLine xmlns:a14="http://schemas.microsoft.com/office/drawing/2010/main" xmlns="" w="9525">
+                <a14:hiddenLine xmlns="" xmlns:a14="http://schemas.microsoft.com/office/drawing/2010/main" w="9525">
                   <a:solidFill>
                     <a:srgbClr val="000000"/>
                   </a:solidFill>
@@ -751,7 +751,7 @@
             </a:ln>
             <a:extLst>
               <a:ext uri="{91240B29-F687-4f45-9708-019B960494DF}">
-                <a14:hiddenLine xmlns:a14="http://schemas.microsoft.com/office/drawing/2010/main" xmlns="" w="9525">
+                <a14:hiddenLine xmlns="" xmlns:a14="http://schemas.microsoft.com/office/drawing/2010/main" w="9525">
                   <a:solidFill>
                     <a:srgbClr val="000000"/>
                   </a:solidFill>
@@ -813,7 +813,7 @@
             </a:ln>
             <a:extLst>
               <a:ext uri="{91240B29-F687-4f45-9708-019B960494DF}">
-                <a14:hiddenLine xmlns:a14="http://schemas.microsoft.com/office/drawing/2010/main" xmlns="" w="9525">
+                <a14:hiddenLine xmlns="" xmlns:a14="http://schemas.microsoft.com/office/drawing/2010/main" w="9525">
                   <a:solidFill>
                     <a:srgbClr val="000000"/>
                   </a:solidFill>
@@ -875,7 +875,7 @@
             </a:ln>
             <a:extLst>
               <a:ext uri="{91240B29-F687-4f45-9708-019B960494DF}">
-                <a14:hiddenLine xmlns:a14="http://schemas.microsoft.com/office/drawing/2010/main" xmlns="" w="9525">
+                <a14:hiddenLine xmlns="" xmlns:a14="http://schemas.microsoft.com/office/drawing/2010/main" w="9525">
                   <a:solidFill>
                     <a:srgbClr val="000000"/>
                   </a:solidFill>
@@ -965,7 +965,7 @@
             </a:ln>
             <a:extLst>
               <a:ext uri="{91240B29-F687-4f45-9708-019B960494DF}">
-                <a14:hiddenLine xmlns:a14="http://schemas.microsoft.com/office/drawing/2010/main" xmlns="" w="9525">
+                <a14:hiddenLine xmlns="" xmlns:a14="http://schemas.microsoft.com/office/drawing/2010/main" w="9525">
                   <a:solidFill>
                     <a:srgbClr val="000000"/>
                   </a:solidFill>
@@ -1055,7 +1055,7 @@
             </a:ln>
             <a:extLst>
               <a:ext uri="{91240B29-F687-4f45-9708-019B960494DF}">
-                <a14:hiddenLine xmlns:a14="http://schemas.microsoft.com/office/drawing/2010/main" xmlns="" w="9525">
+                <a14:hiddenLine xmlns="" xmlns:a14="http://schemas.microsoft.com/office/drawing/2010/main" w="9525">
                   <a:solidFill>
                     <a:srgbClr val="000000"/>
                   </a:solidFill>
@@ -1117,7 +1117,7 @@
             </a:ln>
             <a:extLst>
               <a:ext uri="{91240B29-F687-4f45-9708-019B960494DF}">
-                <a14:hiddenLine xmlns:a14="http://schemas.microsoft.com/office/drawing/2010/main" xmlns="" w="9525">
+                <a14:hiddenLine xmlns="" xmlns:a14="http://schemas.microsoft.com/office/drawing/2010/main" w="9525">
                   <a:solidFill>
                     <a:srgbClr val="000000"/>
                   </a:solidFill>
@@ -1227,7 +1227,7 @@
             </a:ln>
             <a:extLst>
               <a:ext uri="{91240B29-F687-4f45-9708-019B960494DF}">
-                <a14:hiddenLine xmlns:a14="http://schemas.microsoft.com/office/drawing/2010/main" xmlns="" w="9525">
+                <a14:hiddenLine xmlns="" xmlns:a14="http://schemas.microsoft.com/office/drawing/2010/main" w="9525">
                   <a:solidFill>
                     <a:srgbClr val="000000"/>
                   </a:solidFill>
@@ -1289,7 +1289,7 @@
             </a:ln>
             <a:extLst>
               <a:ext uri="{91240B29-F687-4f45-9708-019B960494DF}">
-                <a14:hiddenLine xmlns:a14="http://schemas.microsoft.com/office/drawing/2010/main" xmlns="" w="9525">
+                <a14:hiddenLine xmlns="" xmlns:a14="http://schemas.microsoft.com/office/drawing/2010/main" w="9525">
                   <a:solidFill>
                     <a:srgbClr val="000000"/>
                   </a:solidFill>
@@ -1379,7 +1379,7 @@
             </a:ln>
             <a:extLst>
               <a:ext uri="{91240B29-F687-4f45-9708-019B960494DF}">
-                <a14:hiddenLine xmlns:a14="http://schemas.microsoft.com/office/drawing/2010/main" xmlns="" w="9525">
+                <a14:hiddenLine xmlns="" xmlns:a14="http://schemas.microsoft.com/office/drawing/2010/main" w="9525">
                   <a:solidFill>
                     <a:srgbClr val="000000"/>
                   </a:solidFill>
@@ -1469,7 +1469,7 @@
             </a:ln>
             <a:extLst>
               <a:ext uri="{91240B29-F687-4f45-9708-019B960494DF}">
-                <a14:hiddenLine xmlns:a14="http://schemas.microsoft.com/office/drawing/2010/main" xmlns="" w="9525">
+                <a14:hiddenLine xmlns="" xmlns:a14="http://schemas.microsoft.com/office/drawing/2010/main" w="9525">
                   <a:solidFill>
                     <a:srgbClr val="000000"/>
                   </a:solidFill>
@@ -1531,7 +1531,7 @@
             </a:ln>
             <a:extLst>
               <a:ext uri="{91240B29-F687-4f45-9708-019B960494DF}">
-                <a14:hiddenLine xmlns:a14="http://schemas.microsoft.com/office/drawing/2010/main" xmlns="" w="9525">
+                <a14:hiddenLine xmlns="" xmlns:a14="http://schemas.microsoft.com/office/drawing/2010/main" w="9525">
                   <a:solidFill>
                     <a:srgbClr val="000000"/>
                   </a:solidFill>
@@ -1621,7 +1621,7 @@
             </a:ln>
             <a:extLst>
               <a:ext uri="{91240B29-F687-4f45-9708-019B960494DF}">
-                <a14:hiddenLine xmlns:a14="http://schemas.microsoft.com/office/drawing/2010/main" xmlns="" w="9525">
+                <a14:hiddenLine xmlns="" xmlns:a14="http://schemas.microsoft.com/office/drawing/2010/main" w="9525">
                   <a:solidFill>
                     <a:srgbClr val="000000"/>
                   </a:solidFill>
@@ -1711,7 +1711,7 @@
             </a:ln>
             <a:extLst>
               <a:ext uri="{91240B29-F687-4f45-9708-019B960494DF}">
-                <a14:hiddenLine xmlns:a14="http://schemas.microsoft.com/office/drawing/2010/main" xmlns="" w="9525">
+                <a14:hiddenLine xmlns="" xmlns:a14="http://schemas.microsoft.com/office/drawing/2010/main" w="9525">
                   <a:solidFill>
                     <a:srgbClr val="000000"/>
                   </a:solidFill>
@@ -1767,7 +1767,7 @@
             </a:ln>
             <a:extLst>
               <a:ext uri="{91240B29-F687-4f45-9708-019B960494DF}">
-                <a14:hiddenLine xmlns:a14="http://schemas.microsoft.com/office/drawing/2010/main" xmlns="" w="9525">
+                <a14:hiddenLine xmlns="" xmlns:a14="http://schemas.microsoft.com/office/drawing/2010/main" w="9525">
                   <a:solidFill>
                     <a:srgbClr val="000000"/>
                   </a:solidFill>
@@ -1857,7 +1857,7 @@
             </a:ln>
             <a:extLst>
               <a:ext uri="{91240B29-F687-4f45-9708-019B960494DF}">
-                <a14:hiddenLine xmlns:a14="http://schemas.microsoft.com/office/drawing/2010/main" xmlns="" w="9525">
+                <a14:hiddenLine xmlns="" xmlns:a14="http://schemas.microsoft.com/office/drawing/2010/main" w="9525">
                   <a:solidFill>
                     <a:srgbClr val="000000"/>
                   </a:solidFill>
@@ -1913,7 +1913,7 @@
             </a:ln>
             <a:extLst>
               <a:ext uri="{91240B29-F687-4f45-9708-019B960494DF}">
-                <a14:hiddenLine xmlns:a14="http://schemas.microsoft.com/office/drawing/2010/main" xmlns="" w="9525">
+                <a14:hiddenLine xmlns="" xmlns:a14="http://schemas.microsoft.com/office/drawing/2010/main" w="9525">
                   <a:solidFill>
                     <a:srgbClr val="000000"/>
                   </a:solidFill>
@@ -2003,7 +2003,7 @@
             </a:ln>
             <a:extLst>
               <a:ext uri="{91240B29-F687-4f45-9708-019B960494DF}">
-                <a14:hiddenLine xmlns:a14="http://schemas.microsoft.com/office/drawing/2010/main" xmlns="" w="9525">
+                <a14:hiddenLine xmlns="" xmlns:a14="http://schemas.microsoft.com/office/drawing/2010/main" w="9525">
                   <a:solidFill>
                     <a:srgbClr val="000000"/>
                   </a:solidFill>
@@ -2071,7 +2071,7 @@
             </a:ln>
             <a:extLst>
               <a:ext uri="{91240B29-F687-4f45-9708-019B960494DF}">
-                <a14:hiddenLine xmlns:a14="http://schemas.microsoft.com/office/drawing/2010/main" xmlns="" w="9525">
+                <a14:hiddenLine xmlns="" xmlns:a14="http://schemas.microsoft.com/office/drawing/2010/main" w="9525">
                   <a:solidFill>
                     <a:srgbClr val="000000"/>
                   </a:solidFill>
@@ -2161,7 +2161,7 @@
             </a:ln>
             <a:extLst>
               <a:ext uri="{91240B29-F687-4f45-9708-019B960494DF}">
-                <a14:hiddenLine xmlns:a14="http://schemas.microsoft.com/office/drawing/2010/main" xmlns="" w="9525">
+                <a14:hiddenLine xmlns="" xmlns:a14="http://schemas.microsoft.com/office/drawing/2010/main" w="9525">
                   <a:solidFill>
                     <a:srgbClr val="000000"/>
                   </a:solidFill>
@@ -2229,7 +2229,7 @@
             </a:ln>
             <a:extLst>
               <a:ext uri="{91240B29-F687-4f45-9708-019B960494DF}">
-                <a14:hiddenLine xmlns:a14="http://schemas.microsoft.com/office/drawing/2010/main" xmlns="" w="9525">
+                <a14:hiddenLine xmlns="" xmlns:a14="http://schemas.microsoft.com/office/drawing/2010/main" w="9525">
                   <a:solidFill>
                     <a:srgbClr val="000000"/>
                   </a:solidFill>
@@ -2319,7 +2319,7 @@
             </a:ln>
             <a:extLst>
               <a:ext uri="{91240B29-F687-4f45-9708-019B960494DF}">
-                <a14:hiddenLine xmlns:a14="http://schemas.microsoft.com/office/drawing/2010/main" xmlns="" w="9525">
+                <a14:hiddenLine xmlns="" xmlns:a14="http://schemas.microsoft.com/office/drawing/2010/main" w="9525">
                   <a:solidFill>
                     <a:srgbClr val="000000"/>
                   </a:solidFill>
@@ -2353,7 +2353,7 @@
             </a:ln>
             <a:extLst>
               <a:ext uri="{91240B29-F687-4f45-9708-019B960494DF}">
-                <a14:hiddenLine xmlns:a14="http://schemas.microsoft.com/office/drawing/2010/main" xmlns="" w="9525">
+                <a14:hiddenLine xmlns="" xmlns:a14="http://schemas.microsoft.com/office/drawing/2010/main" w="9525">
                   <a:solidFill>
                     <a:srgbClr val="000000"/>
                   </a:solidFill>
@@ -2443,7 +2443,7 @@
             </a:ln>
             <a:extLst>
               <a:ext uri="{91240B29-F687-4f45-9708-019B960494DF}">
-                <a14:hiddenLine xmlns:a14="http://schemas.microsoft.com/office/drawing/2010/main" xmlns="" w="9525">
+                <a14:hiddenLine xmlns="" xmlns:a14="http://schemas.microsoft.com/office/drawing/2010/main" w="9525">
                   <a:solidFill>
                     <a:srgbClr val="000000"/>
                   </a:solidFill>
@@ -2505,7 +2505,7 @@
             </a:ln>
             <a:extLst>
               <a:ext uri="{91240B29-F687-4f45-9708-019B960494DF}">
-                <a14:hiddenLine xmlns:a14="http://schemas.microsoft.com/office/drawing/2010/main" xmlns="" w="9525">
+                <a14:hiddenLine xmlns="" xmlns:a14="http://schemas.microsoft.com/office/drawing/2010/main" w="9525">
                   <a:solidFill>
                     <a:srgbClr val="000000"/>
                   </a:solidFill>
@@ -2567,7 +2567,7 @@
             </a:ln>
             <a:extLst>
               <a:ext uri="{91240B29-F687-4f45-9708-019B960494DF}">
-                <a14:hiddenLine xmlns:a14="http://schemas.microsoft.com/office/drawing/2010/main" xmlns="" w="9525">
+                <a14:hiddenLine xmlns="" xmlns:a14="http://schemas.microsoft.com/office/drawing/2010/main" w="9525">
                   <a:solidFill>
                     <a:srgbClr val="000000"/>
                   </a:solidFill>
@@ -2657,7 +2657,7 @@
             </a:ln>
             <a:extLst>
               <a:ext uri="{91240B29-F687-4f45-9708-019B960494DF}">
-                <a14:hiddenLine xmlns:a14="http://schemas.microsoft.com/office/drawing/2010/main" xmlns="" w="9525">
+                <a14:hiddenLine xmlns="" xmlns:a14="http://schemas.microsoft.com/office/drawing/2010/main" w="9525">
                   <a:solidFill>
                     <a:srgbClr val="000000"/>
                   </a:solidFill>
@@ -2725,7 +2725,7 @@
             </a:ln>
             <a:extLst>
               <a:ext uri="{91240B29-F687-4f45-9708-019B960494DF}">
-                <a14:hiddenLine xmlns:a14="http://schemas.microsoft.com/office/drawing/2010/main" xmlns="" w="9525">
+                <a14:hiddenLine xmlns="" xmlns:a14="http://schemas.microsoft.com/office/drawing/2010/main" w="9525">
                   <a:solidFill>
                     <a:srgbClr val="000000"/>
                   </a:solidFill>
@@ -2787,7 +2787,7 @@
             </a:ln>
             <a:extLst>
               <a:ext uri="{91240B29-F687-4f45-9708-019B960494DF}">
-                <a14:hiddenLine xmlns:a14="http://schemas.microsoft.com/office/drawing/2010/main" xmlns="" w="9525">
+                <a14:hiddenLine xmlns="" xmlns:a14="http://schemas.microsoft.com/office/drawing/2010/main" w="9525">
                   <a:solidFill>
                     <a:srgbClr val="000000"/>
                   </a:solidFill>
@@ -2877,7 +2877,7 @@
             </a:ln>
             <a:extLst>
               <a:ext uri="{91240B29-F687-4f45-9708-019B960494DF}">
-                <a14:hiddenLine xmlns:a14="http://schemas.microsoft.com/office/drawing/2010/main" xmlns="" w="9525">
+                <a14:hiddenLine xmlns="" xmlns:a14="http://schemas.microsoft.com/office/drawing/2010/main" w="9525">
                   <a:solidFill>
                     <a:srgbClr val="000000"/>
                   </a:solidFill>
@@ -2939,7 +2939,7 @@
             </a:ln>
             <a:extLst>
               <a:ext uri="{91240B29-F687-4f45-9708-019B960494DF}">
-                <a14:hiddenLine xmlns:a14="http://schemas.microsoft.com/office/drawing/2010/main" xmlns="" w="9525">
+                <a14:hiddenLine xmlns="" xmlns:a14="http://schemas.microsoft.com/office/drawing/2010/main" w="9525">
                   <a:solidFill>
                     <a:srgbClr val="000000"/>
                   </a:solidFill>
@@ -3029,7 +3029,7 @@
             </a:ln>
             <a:extLst>
               <a:ext uri="{91240B29-F687-4f45-9708-019B960494DF}">
-                <a14:hiddenLine xmlns:a14="http://schemas.microsoft.com/office/drawing/2010/main" xmlns="" w="9525">
+                <a14:hiddenLine xmlns="" xmlns:a14="http://schemas.microsoft.com/office/drawing/2010/main" w="9525">
                   <a:solidFill>
                     <a:srgbClr val="000000"/>
                   </a:solidFill>
@@ -3091,7 +3091,7 @@
             </a:ln>
             <a:extLst>
               <a:ext uri="{91240B29-F687-4f45-9708-019B960494DF}">
-                <a14:hiddenLine xmlns:a14="http://schemas.microsoft.com/office/drawing/2010/main" xmlns="" w="9525">
+                <a14:hiddenLine xmlns="" xmlns:a14="http://schemas.microsoft.com/office/drawing/2010/main" w="9525">
                   <a:solidFill>
                     <a:srgbClr val="000000"/>
                   </a:solidFill>
@@ -3181,7 +3181,7 @@
             </a:ln>
             <a:extLst>
               <a:ext uri="{91240B29-F687-4f45-9708-019B960494DF}">
-                <a14:hiddenLine xmlns:a14="http://schemas.microsoft.com/office/drawing/2010/main" xmlns="" w="9525">
+                <a14:hiddenLine xmlns="" xmlns:a14="http://schemas.microsoft.com/office/drawing/2010/main" w="9525">
                   <a:solidFill>
                     <a:srgbClr val="000000"/>
                   </a:solidFill>
@@ -3215,7 +3215,7 @@
             </a:ln>
             <a:extLst>
               <a:ext uri="{91240B29-F687-4f45-9708-019B960494DF}">
-                <a14:hiddenLine xmlns:a14="http://schemas.microsoft.com/office/drawing/2010/main" xmlns="" w="9525">
+                <a14:hiddenLine xmlns="" xmlns:a14="http://schemas.microsoft.com/office/drawing/2010/main" w="9525">
                   <a:solidFill>
                     <a:srgbClr val="000000"/>
                   </a:solidFill>
@@ -3280,7 +3280,7 @@
             </a:ln>
             <a:extLst>
               <a:ext uri="{91240B29-F687-4f45-9708-019B960494DF}">
-                <a14:hiddenLine xmlns:a14="http://schemas.microsoft.com/office/drawing/2010/main" xmlns="" w="9525">
+                <a14:hiddenLine xmlns="" xmlns:a14="http://schemas.microsoft.com/office/drawing/2010/main" w="9525">
                   <a:solidFill>
                     <a:srgbClr val="000000"/>
                   </a:solidFill>
@@ -3370,7 +3370,7 @@
             </a:ln>
             <a:extLst>
               <a:ext uri="{91240B29-F687-4f45-9708-019B960494DF}">
-                <a14:hiddenLine xmlns:a14="http://schemas.microsoft.com/office/drawing/2010/main" xmlns="" w="9525">
+                <a14:hiddenLine xmlns="" xmlns:a14="http://schemas.microsoft.com/office/drawing/2010/main" w="9525">
                   <a:solidFill>
                     <a:srgbClr val="000000"/>
                   </a:solidFill>
@@ -3432,7 +3432,7 @@
             </a:ln>
             <a:extLst>
               <a:ext uri="{91240B29-F687-4f45-9708-019B960494DF}">
-                <a14:hiddenLine xmlns:a14="http://schemas.microsoft.com/office/drawing/2010/main" xmlns="" w="9525">
+                <a14:hiddenLine xmlns="" xmlns:a14="http://schemas.microsoft.com/office/drawing/2010/main" w="9525">
                   <a:solidFill>
                     <a:srgbClr val="000000"/>
                   </a:solidFill>
@@ -3522,7 +3522,7 @@
             </a:ln>
             <a:extLst>
               <a:ext uri="{91240B29-F687-4f45-9708-019B960494DF}">
-                <a14:hiddenLine xmlns:a14="http://schemas.microsoft.com/office/drawing/2010/main" xmlns="" w="9525">
+                <a14:hiddenLine xmlns="" xmlns:a14="http://schemas.microsoft.com/office/drawing/2010/main" w="9525">
                   <a:solidFill>
                     <a:srgbClr val="000000"/>
                   </a:solidFill>
@@ -3612,7 +3612,7 @@
             </a:ln>
             <a:extLst>
               <a:ext uri="{91240B29-F687-4f45-9708-019B960494DF}">
-                <a14:hiddenLine xmlns:a14="http://schemas.microsoft.com/office/drawing/2010/main" xmlns="" w="9525">
+                <a14:hiddenLine xmlns="" xmlns:a14="http://schemas.microsoft.com/office/drawing/2010/main" w="9525">
                   <a:solidFill>
                     <a:srgbClr val="000000"/>
                   </a:solidFill>
@@ -3677,7 +3677,7 @@
             </a:ln>
             <a:extLst>
               <a:ext uri="{91240B29-F687-4f45-9708-019B960494DF}">
-                <a14:hiddenLine xmlns:a14="http://schemas.microsoft.com/office/drawing/2010/main" xmlns="" w="9525">
+                <a14:hiddenLine xmlns="" xmlns:a14="http://schemas.microsoft.com/office/drawing/2010/main" w="9525">
                   <a:solidFill>
                     <a:srgbClr val="000000"/>
                   </a:solidFill>
@@ -3739,7 +3739,7 @@
             </a:ln>
             <a:extLst>
               <a:ext uri="{91240B29-F687-4f45-9708-019B960494DF}">
-                <a14:hiddenLine xmlns:a14="http://schemas.microsoft.com/office/drawing/2010/main" xmlns="" w="9525">
+                <a14:hiddenLine xmlns="" xmlns:a14="http://schemas.microsoft.com/office/drawing/2010/main" w="9525">
                   <a:solidFill>
                     <a:srgbClr val="000000"/>
                   </a:solidFill>
@@ -3829,7 +3829,7 @@
             </a:ln>
             <a:extLst>
               <a:ext uri="{91240B29-F687-4f45-9708-019B960494DF}">
-                <a14:hiddenLine xmlns:a14="http://schemas.microsoft.com/office/drawing/2010/main" xmlns="" w="9525">
+                <a14:hiddenLine xmlns="" xmlns:a14="http://schemas.microsoft.com/office/drawing/2010/main" w="9525">
                   <a:solidFill>
                     <a:srgbClr val="000000"/>
                   </a:solidFill>
@@ -3919,7 +3919,7 @@
             </a:ln>
             <a:extLst>
               <a:ext uri="{91240B29-F687-4f45-9708-019B960494DF}">
-                <a14:hiddenLine xmlns:a14="http://schemas.microsoft.com/office/drawing/2010/main" xmlns="" w="9525">
+                <a14:hiddenLine xmlns="" xmlns:a14="http://schemas.microsoft.com/office/drawing/2010/main" w="9525">
                   <a:solidFill>
                     <a:srgbClr val="000000"/>
                   </a:solidFill>
@@ -3981,7 +3981,7 @@
             </a:ln>
             <a:extLst>
               <a:ext uri="{91240B29-F687-4f45-9708-019B960494DF}">
-                <a14:hiddenLine xmlns:a14="http://schemas.microsoft.com/office/drawing/2010/main" xmlns="" w="9525">
+                <a14:hiddenLine xmlns="" xmlns:a14="http://schemas.microsoft.com/office/drawing/2010/main" w="9525">
                   <a:solidFill>
                     <a:srgbClr val="000000"/>
                   </a:solidFill>
@@ -4101,7 +4101,7 @@
             </a:ln>
             <a:extLst>
               <a:ext uri="{91240B29-F687-4f45-9708-019B960494DF}">
-                <a14:hiddenLine xmlns:a14="http://schemas.microsoft.com/office/drawing/2010/main" xmlns="" w="9525">
+                <a14:hiddenLine xmlns="" xmlns:a14="http://schemas.microsoft.com/office/drawing/2010/main" w="9525">
                   <a:solidFill>
                     <a:srgbClr val="000000"/>
                   </a:solidFill>
@@ -4169,7 +4169,7 @@
             </a:ln>
             <a:extLst>
               <a:ext uri="{91240B29-F687-4f45-9708-019B960494DF}">
-                <a14:hiddenLine xmlns:a14="http://schemas.microsoft.com/office/drawing/2010/main" xmlns="" w="9525">
+                <a14:hiddenLine xmlns="" xmlns:a14="http://schemas.microsoft.com/office/drawing/2010/main" w="9525">
                   <a:solidFill>
                     <a:srgbClr val="000000"/>
                   </a:solidFill>
@@ -4259,7 +4259,7 @@
             </a:ln>
             <a:extLst>
               <a:ext uri="{91240B29-F687-4f45-9708-019B960494DF}">
-                <a14:hiddenLine xmlns:a14="http://schemas.microsoft.com/office/drawing/2010/main" xmlns="" w="9525">
+                <a14:hiddenLine xmlns="" xmlns:a14="http://schemas.microsoft.com/office/drawing/2010/main" w="9525">
                   <a:solidFill>
                     <a:srgbClr val="000000"/>
                   </a:solidFill>
@@ -8988,7 +8988,7 @@
           <a:noFill/>
           <a:extLst>
             <a:ext uri="{909E8E84-426E-40dd-AFC4-6F175D3DCCD1}">
-              <a14:hiddenFill xmlns:a14="http://schemas.microsoft.com/office/drawing/2010/main" xmlns="">
+              <a14:hiddenFill xmlns="" xmlns:a14="http://schemas.microsoft.com/office/drawing/2010/main">
                 <a:solidFill>
                   <a:srgbClr val="FFFFFF"/>
                 </a:solidFill>
@@ -9062,7 +9062,7 @@
               </a:ln>
               <a:extLst>
                 <a:ext uri="{91240B29-F687-4f45-9708-019B960494DF}">
-                  <a14:hiddenLine xmlns:a14="http://schemas.microsoft.com/office/drawing/2010/main" xmlns="" w="9525">
+                  <a14:hiddenLine xmlns="" xmlns:a14="http://schemas.microsoft.com/office/drawing/2010/main" w="9525">
                     <a:solidFill>
                       <a:srgbClr val="000000"/>
                     </a:solidFill>
@@ -9152,7 +9152,7 @@
               </a:ln>
               <a:extLst>
                 <a:ext uri="{91240B29-F687-4f45-9708-019B960494DF}">
-                  <a14:hiddenLine xmlns:a14="http://schemas.microsoft.com/office/drawing/2010/main" xmlns="" w="9525">
+                  <a14:hiddenLine xmlns="" xmlns:a14="http://schemas.microsoft.com/office/drawing/2010/main" w="9525">
                     <a:solidFill>
                       <a:srgbClr val="000000"/>
                     </a:solidFill>
@@ -9242,7 +9242,7 @@
               </a:ln>
               <a:extLst>
                 <a:ext uri="{91240B29-F687-4f45-9708-019B960494DF}">
-                  <a14:hiddenLine xmlns:a14="http://schemas.microsoft.com/office/drawing/2010/main" xmlns="" w="9525">
+                  <a14:hiddenLine xmlns="" xmlns:a14="http://schemas.microsoft.com/office/drawing/2010/main" w="9525">
                     <a:solidFill>
                       <a:srgbClr val="000000"/>
                     </a:solidFill>
@@ -9304,7 +9304,7 @@
               </a:ln>
               <a:extLst>
                 <a:ext uri="{91240B29-F687-4f45-9708-019B960494DF}">
-                  <a14:hiddenLine xmlns:a14="http://schemas.microsoft.com/office/drawing/2010/main" xmlns="" w="9525">
+                  <a14:hiddenLine xmlns="" xmlns:a14="http://schemas.microsoft.com/office/drawing/2010/main" w="9525">
                     <a:solidFill>
                       <a:srgbClr val="000000"/>
                     </a:solidFill>
@@ -9394,7 +9394,7 @@
               </a:ln>
               <a:extLst>
                 <a:ext uri="{91240B29-F687-4f45-9708-019B960494DF}">
-                  <a14:hiddenLine xmlns:a14="http://schemas.microsoft.com/office/drawing/2010/main" xmlns="" w="9525">
+                  <a14:hiddenLine xmlns="" xmlns:a14="http://schemas.microsoft.com/office/drawing/2010/main" w="9525">
                     <a:solidFill>
                       <a:srgbClr val="000000"/>
                     </a:solidFill>
@@ -9456,7 +9456,7 @@
               </a:ln>
               <a:extLst>
                 <a:ext uri="{91240B29-F687-4f45-9708-019B960494DF}">
-                  <a14:hiddenLine xmlns:a14="http://schemas.microsoft.com/office/drawing/2010/main" xmlns="" w="9525">
+                  <a14:hiddenLine xmlns="" xmlns:a14="http://schemas.microsoft.com/office/drawing/2010/main" w="9525">
                     <a:solidFill>
                       <a:srgbClr val="000000"/>
                     </a:solidFill>
@@ -9518,7 +9518,7 @@
               </a:ln>
               <a:extLst>
                 <a:ext uri="{91240B29-F687-4f45-9708-019B960494DF}">
-                  <a14:hiddenLine xmlns:a14="http://schemas.microsoft.com/office/drawing/2010/main" xmlns="" w="9525">
+                  <a14:hiddenLine xmlns="" xmlns:a14="http://schemas.microsoft.com/office/drawing/2010/main" w="9525">
                     <a:solidFill>
                       <a:srgbClr val="000000"/>
                     </a:solidFill>
@@ -9608,7 +9608,7 @@
               </a:ln>
               <a:extLst>
                 <a:ext uri="{91240B29-F687-4f45-9708-019B960494DF}">
-                  <a14:hiddenLine xmlns:a14="http://schemas.microsoft.com/office/drawing/2010/main" xmlns="" w="9525">
+                  <a14:hiddenLine xmlns="" xmlns:a14="http://schemas.microsoft.com/office/drawing/2010/main" w="9525">
                     <a:solidFill>
                       <a:srgbClr val="000000"/>
                     </a:solidFill>
@@ -9698,7 +9698,7 @@
               </a:ln>
               <a:extLst>
                 <a:ext uri="{91240B29-F687-4f45-9708-019B960494DF}">
-                  <a14:hiddenLine xmlns:a14="http://schemas.microsoft.com/office/drawing/2010/main" xmlns="" w="9525">
+                  <a14:hiddenLine xmlns="" xmlns:a14="http://schemas.microsoft.com/office/drawing/2010/main" w="9525">
                     <a:solidFill>
                       <a:srgbClr val="000000"/>
                     </a:solidFill>
@@ -9760,7 +9760,7 @@
               </a:ln>
               <a:extLst>
                 <a:ext uri="{91240B29-F687-4f45-9708-019B960494DF}">
-                  <a14:hiddenLine xmlns:a14="http://schemas.microsoft.com/office/drawing/2010/main" xmlns="" w="9525">
+                  <a14:hiddenLine xmlns="" xmlns:a14="http://schemas.microsoft.com/office/drawing/2010/main" w="9525">
                     <a:solidFill>
                       <a:srgbClr val="000000"/>
                     </a:solidFill>
@@ -9870,7 +9870,7 @@
               </a:ln>
               <a:extLst>
                 <a:ext uri="{91240B29-F687-4f45-9708-019B960494DF}">
-                  <a14:hiddenLine xmlns:a14="http://schemas.microsoft.com/office/drawing/2010/main" xmlns="" w="9525">
+                  <a14:hiddenLine xmlns="" xmlns:a14="http://schemas.microsoft.com/office/drawing/2010/main" w="9525">
                     <a:solidFill>
                       <a:srgbClr val="000000"/>
                     </a:solidFill>
@@ -9954,7 +9954,7 @@
               </a:ln>
               <a:extLst>
                 <a:ext uri="{91240B29-F687-4f45-9708-019B960494DF}">
-                  <a14:hiddenLine xmlns:a14="http://schemas.microsoft.com/office/drawing/2010/main" xmlns="" w="9525">
+                  <a14:hiddenLine xmlns="" xmlns:a14="http://schemas.microsoft.com/office/drawing/2010/main" w="9525">
                     <a:solidFill>
                       <a:srgbClr val="000000"/>
                     </a:solidFill>
@@ -10016,7 +10016,7 @@
               </a:ln>
               <a:extLst>
                 <a:ext uri="{91240B29-F687-4f45-9708-019B960494DF}">
-                  <a14:hiddenLine xmlns:a14="http://schemas.microsoft.com/office/drawing/2010/main" xmlns="" w="9525">
+                  <a14:hiddenLine xmlns="" xmlns:a14="http://schemas.microsoft.com/office/drawing/2010/main" w="9525">
                     <a:solidFill>
                       <a:srgbClr val="000000"/>
                     </a:solidFill>
@@ -10078,7 +10078,7 @@
               </a:ln>
               <a:extLst>
                 <a:ext uri="{91240B29-F687-4f45-9708-019B960494DF}">
-                  <a14:hiddenLine xmlns:a14="http://schemas.microsoft.com/office/drawing/2010/main" xmlns="" w="9525">
+                  <a14:hiddenLine xmlns="" xmlns:a14="http://schemas.microsoft.com/office/drawing/2010/main" w="9525">
                     <a:solidFill>
                       <a:srgbClr val="000000"/>
                     </a:solidFill>
@@ -10168,7 +10168,7 @@
               </a:ln>
               <a:extLst>
                 <a:ext uri="{91240B29-F687-4f45-9708-019B960494DF}">
-                  <a14:hiddenLine xmlns:a14="http://schemas.microsoft.com/office/drawing/2010/main" xmlns="" w="9525">
+                  <a14:hiddenLine xmlns="" xmlns:a14="http://schemas.microsoft.com/office/drawing/2010/main" w="9525">
                     <a:solidFill>
                       <a:srgbClr val="000000"/>
                     </a:solidFill>
@@ -10202,7 +10202,7 @@
               </a:ln>
               <a:extLst>
                 <a:ext uri="{91240B29-F687-4f45-9708-019B960494DF}">
-                  <a14:hiddenLine xmlns:a14="http://schemas.microsoft.com/office/drawing/2010/main" xmlns="" w="9525">
+                  <a14:hiddenLine xmlns="" xmlns:a14="http://schemas.microsoft.com/office/drawing/2010/main" w="9525">
                     <a:solidFill>
                       <a:srgbClr val="000000"/>
                     </a:solidFill>
@@ -10267,7 +10267,7 @@
               </a:ln>
               <a:extLst>
                 <a:ext uri="{91240B29-F687-4f45-9708-019B960494DF}">
-                  <a14:hiddenLine xmlns:a14="http://schemas.microsoft.com/office/drawing/2010/main" xmlns="" w="9525">
+                  <a14:hiddenLine xmlns="" xmlns:a14="http://schemas.microsoft.com/office/drawing/2010/main" w="9525">
                     <a:solidFill>
                       <a:srgbClr val="000000"/>
                     </a:solidFill>
@@ -10357,7 +10357,7 @@
               </a:ln>
               <a:extLst>
                 <a:ext uri="{91240B29-F687-4f45-9708-019B960494DF}">
-                  <a14:hiddenLine xmlns:a14="http://schemas.microsoft.com/office/drawing/2010/main" xmlns="" w="9525">
+                  <a14:hiddenLine xmlns="" xmlns:a14="http://schemas.microsoft.com/office/drawing/2010/main" w="9525">
                     <a:solidFill>
                       <a:srgbClr val="000000"/>
                     </a:solidFill>
@@ -10419,7 +10419,7 @@
               </a:ln>
               <a:extLst>
                 <a:ext uri="{91240B29-F687-4f45-9708-019B960494DF}">
-                  <a14:hiddenLine xmlns:a14="http://schemas.microsoft.com/office/drawing/2010/main" xmlns="" w="9525">
+                  <a14:hiddenLine xmlns="" xmlns:a14="http://schemas.microsoft.com/office/drawing/2010/main" w="9525">
                     <a:solidFill>
                       <a:srgbClr val="000000"/>
                     </a:solidFill>
@@ -10509,7 +10509,7 @@
               </a:ln>
               <a:extLst>
                 <a:ext uri="{91240B29-F687-4f45-9708-019B960494DF}">
-                  <a14:hiddenLine xmlns:a14="http://schemas.microsoft.com/office/drawing/2010/main" xmlns="" w="9525">
+                  <a14:hiddenLine xmlns="" xmlns:a14="http://schemas.microsoft.com/office/drawing/2010/main" w="9525">
                     <a:solidFill>
                       <a:srgbClr val="000000"/>
                     </a:solidFill>
@@ -10574,7 +10574,7 @@
               </a:ln>
               <a:extLst>
                 <a:ext uri="{91240B29-F687-4f45-9708-019B960494DF}">
-                  <a14:hiddenLine xmlns:a14="http://schemas.microsoft.com/office/drawing/2010/main" xmlns="" w="9525">
+                  <a14:hiddenLine xmlns="" xmlns:a14="http://schemas.microsoft.com/office/drawing/2010/main" w="9525">
                     <a:solidFill>
                       <a:srgbClr val="000000"/>
                     </a:solidFill>
@@ -10636,7 +10636,7 @@
               </a:ln>
               <a:extLst>
                 <a:ext uri="{91240B29-F687-4f45-9708-019B960494DF}">
-                  <a14:hiddenLine xmlns:a14="http://schemas.microsoft.com/office/drawing/2010/main" xmlns="" w="9525">
+                  <a14:hiddenLine xmlns="" xmlns:a14="http://schemas.microsoft.com/office/drawing/2010/main" w="9525">
                     <a:solidFill>
                       <a:srgbClr val="000000"/>
                     </a:solidFill>
@@ -10726,7 +10726,7 @@
               </a:ln>
               <a:extLst>
                 <a:ext uri="{91240B29-F687-4f45-9708-019B960494DF}">
-                  <a14:hiddenLine xmlns:a14="http://schemas.microsoft.com/office/drawing/2010/main" xmlns="" w="9525">
+                  <a14:hiddenLine xmlns="" xmlns:a14="http://schemas.microsoft.com/office/drawing/2010/main" w="9525">
                     <a:solidFill>
                       <a:srgbClr val="000000"/>
                     </a:solidFill>
@@ -10816,7 +10816,7 @@
               </a:ln>
               <a:extLst>
                 <a:ext uri="{91240B29-F687-4f45-9708-019B960494DF}">
-                  <a14:hiddenLine xmlns:a14="http://schemas.microsoft.com/office/drawing/2010/main" xmlns="" w="9525">
+                  <a14:hiddenLine xmlns="" xmlns:a14="http://schemas.microsoft.com/office/drawing/2010/main" w="9525">
                     <a:solidFill>
                       <a:srgbClr val="000000"/>
                     </a:solidFill>
@@ -10881,7 +10881,7 @@
               </a:ln>
               <a:extLst>
                 <a:ext uri="{91240B29-F687-4f45-9708-019B960494DF}">
-                  <a14:hiddenLine xmlns:a14="http://schemas.microsoft.com/office/drawing/2010/main" xmlns="" w="9525">
+                  <a14:hiddenLine xmlns="" xmlns:a14="http://schemas.microsoft.com/office/drawing/2010/main" w="9525">
                     <a:solidFill>
                       <a:srgbClr val="000000"/>
                     </a:solidFill>
@@ -11001,7 +11001,7 @@
               </a:ln>
               <a:extLst>
                 <a:ext uri="{91240B29-F687-4f45-9708-019B960494DF}">
-                  <a14:hiddenLine xmlns:a14="http://schemas.microsoft.com/office/drawing/2010/main" xmlns="" w="9525">
+                  <a14:hiddenLine xmlns="" xmlns:a14="http://schemas.microsoft.com/office/drawing/2010/main" w="9525">
                     <a:solidFill>
                       <a:srgbClr val="000000"/>
                     </a:solidFill>
@@ -11082,7 +11082,7 @@
               </a:ln>
               <a:extLst>
                 <a:ext uri="{91240B29-F687-4f45-9708-019B960494DF}">
-                  <a14:hiddenLine xmlns:a14="http://schemas.microsoft.com/office/drawing/2010/main" xmlns="" w="9525">
+                  <a14:hiddenLine xmlns="" xmlns:a14="http://schemas.microsoft.com/office/drawing/2010/main" w="9525">
                     <a:solidFill>
                       <a:srgbClr val="000000"/>
                     </a:solidFill>
@@ -11197,7 +11197,7 @@
               </a:ln>
               <a:extLst>
                 <a:ext uri="{91240B29-F687-4f45-9708-019B960494DF}">
-                  <a14:hiddenLine xmlns:a14="http://schemas.microsoft.com/office/drawing/2010/main" xmlns="" w="9525">
+                  <a14:hiddenLine xmlns="" xmlns:a14="http://schemas.microsoft.com/office/drawing/2010/main" w="9525">
                     <a:solidFill>
                       <a:srgbClr val="000000"/>
                     </a:solidFill>
@@ -11287,7 +11287,7 @@
               </a:ln>
               <a:extLst>
                 <a:ext uri="{91240B29-F687-4f45-9708-019B960494DF}">
-                  <a14:hiddenLine xmlns:a14="http://schemas.microsoft.com/office/drawing/2010/main" xmlns="" w="9525">
+                  <a14:hiddenLine xmlns="" xmlns:a14="http://schemas.microsoft.com/office/drawing/2010/main" w="9525">
                     <a:solidFill>
                       <a:srgbClr val="000000"/>
                     </a:solidFill>
@@ -11352,7 +11352,7 @@
               </a:ln>
               <a:extLst>
                 <a:ext uri="{91240B29-F687-4f45-9708-019B960494DF}">
-                  <a14:hiddenLine xmlns:a14="http://schemas.microsoft.com/office/drawing/2010/main" xmlns="" w="9525">
+                  <a14:hiddenLine xmlns="" xmlns:a14="http://schemas.microsoft.com/office/drawing/2010/main" w="9525">
                     <a:solidFill>
                       <a:srgbClr val="000000"/>
                     </a:solidFill>
@@ -11442,7 +11442,7 @@
               </a:ln>
               <a:extLst>
                 <a:ext uri="{91240B29-F687-4f45-9708-019B960494DF}">
-                  <a14:hiddenLine xmlns:a14="http://schemas.microsoft.com/office/drawing/2010/main" xmlns="" w="9525">
+                  <a14:hiddenLine xmlns="" xmlns:a14="http://schemas.microsoft.com/office/drawing/2010/main" w="9525">
                     <a:solidFill>
                       <a:srgbClr val="000000"/>
                     </a:solidFill>
@@ -11510,7 +11510,7 @@
               </a:ln>
               <a:extLst>
                 <a:ext uri="{91240B29-F687-4f45-9708-019B960494DF}">
-                  <a14:hiddenLine xmlns:a14="http://schemas.microsoft.com/office/drawing/2010/main" xmlns="" w="9525">
+                  <a14:hiddenLine xmlns="" xmlns:a14="http://schemas.microsoft.com/office/drawing/2010/main" w="9525">
                     <a:solidFill>
                       <a:srgbClr val="000000"/>
                     </a:solidFill>
@@ -11600,7 +11600,7 @@
               </a:ln>
               <a:extLst>
                 <a:ext uri="{91240B29-F687-4f45-9708-019B960494DF}">
-                  <a14:hiddenLine xmlns:a14="http://schemas.microsoft.com/office/drawing/2010/main" xmlns="" w="9525">
+                  <a14:hiddenLine xmlns="" xmlns:a14="http://schemas.microsoft.com/office/drawing/2010/main" w="9525">
                     <a:solidFill>
                       <a:srgbClr val="000000"/>
                     </a:solidFill>
@@ -11668,7 +11668,7 @@
               </a:ln>
               <a:extLst>
                 <a:ext uri="{91240B29-F687-4f45-9708-019B960494DF}">
-                  <a14:hiddenLine xmlns:a14="http://schemas.microsoft.com/office/drawing/2010/main" xmlns="" w="9525">
+                  <a14:hiddenLine xmlns="" xmlns:a14="http://schemas.microsoft.com/office/drawing/2010/main" w="9525">
                     <a:solidFill>
                       <a:srgbClr val="000000"/>
                     </a:solidFill>
@@ -11758,7 +11758,7 @@
               </a:ln>
               <a:extLst>
                 <a:ext uri="{91240B29-F687-4f45-9708-019B960494DF}">
-                  <a14:hiddenLine xmlns:a14="http://schemas.microsoft.com/office/drawing/2010/main" xmlns="" w="9525">
+                  <a14:hiddenLine xmlns="" xmlns:a14="http://schemas.microsoft.com/office/drawing/2010/main" w="9525">
                     <a:solidFill>
                       <a:srgbClr val="000000"/>
                     </a:solidFill>
@@ -11792,7 +11792,7 @@
               </a:ln>
               <a:extLst>
                 <a:ext uri="{91240B29-F687-4f45-9708-019B960494DF}">
-                  <a14:hiddenLine xmlns:a14="http://schemas.microsoft.com/office/drawing/2010/main" xmlns="" w="9525">
+                  <a14:hiddenLine xmlns="" xmlns:a14="http://schemas.microsoft.com/office/drawing/2010/main" w="9525">
                     <a:solidFill>
                       <a:srgbClr val="000000"/>
                     </a:solidFill>
@@ -12713,6 +12713,21 @@
             </a:r>
           </a:p>
           <a:p>
+            <a:r>
+              <a:rPr lang="es-CL" dirty="0"/>
+              <a:t>Crear un </a:t>
+            </a:r>
+            <a:r>
+              <a:rPr lang="es-CL" dirty="0" err="1"/>
+              <a:t>login</a:t>
+            </a:r>
+            <a:r>
+              <a:rPr lang="es-CL"/>
+              <a:t> par que el usuario se registre sin ninguna complicación.</a:t>
+            </a:r>
+            <a:endParaRPr lang="es-CL" dirty="0"/>
+          </a:p>
+          <a:p>
             <a:endParaRPr lang="es-CL" dirty="0"/>
           </a:p>
           <a:p>
